--- a/Twitchs's project.pptx
+++ b/Twitchs's project.pptx
@@ -11065,7 +11065,15 @@
           <a:p>
             <a:r>
               <a:rPr lang="en-US" dirty="0"/>
-              <a:t>Purpose: During this project, we will analyze Twitch database to understand its users and products is one of the main responsibilities of the Twitch Data Science Team.</a:t>
+              <a:t>Purpose: During this project, we will </a:t>
+            </a:r>
+            <a:r>
+              <a:rPr lang="en-US"/>
+              <a:t>analyze the Twitch </a:t>
+            </a:r>
+            <a:r>
+              <a:rPr lang="en-US" dirty="0"/>
+              <a:t>database to understand its users and products is one of the main responsibilities of the Twitch Data Science Team.</a:t>
             </a:r>
           </a:p>
           <a:p>
@@ -11083,7 +11091,7 @@
           <a:p>
             <a:r>
               <a:rPr lang="en-US" dirty="0"/>
-              <a:t>The given SQL tables includes the following columns:</a:t>
+              <a:t>The given SQL tables include the following columns:</a:t>
             </a:r>
           </a:p>
           <a:p>
